--- a/070-BuildModernizeModernAIApps/Coach/Solutions/challenge-03/Challenge 3.pptx
+++ b/070-BuildModernizeModernAIApps/Coach/Solutions/challenge-03/Challenge 3.pptx
@@ -5,18 +5,19 @@
     <p:sldMasterId id="2147483878" r:id="rId4"/>
   </p:sldMasterIdLst>
   <p:notesMasterIdLst>
-    <p:notesMasterId r:id="rId11"/>
+    <p:notesMasterId r:id="rId12"/>
   </p:notesMasterIdLst>
   <p:handoutMasterIdLst>
-    <p:handoutMasterId r:id="rId12"/>
+    <p:handoutMasterId r:id="rId13"/>
   </p:handoutMasterIdLst>
   <p:sldIdLst>
     <p:sldId id="2076136250" r:id="rId5"/>
     <p:sldId id="2076136297" r:id="rId6"/>
-    <p:sldId id="2147469982" r:id="rId7"/>
+    <p:sldId id="2147469987" r:id="rId7"/>
     <p:sldId id="2147469983" r:id="rId8"/>
     <p:sldId id="2147469985" r:id="rId9"/>
-    <p:sldId id="2147469981" r:id="rId10"/>
+    <p:sldId id="2147469986" r:id="rId10"/>
+    <p:sldId id="2147469981" r:id="rId11"/>
   </p:sldIdLst>
   <p:sldSz cx="12192000" cy="6858000"/>
   <p:notesSz cx="6858000" cy="9144000"/>
@@ -122,9 +123,10 @@
           <p14:sldIdLst>
             <p14:sldId id="2076136250"/>
             <p14:sldId id="2076136297"/>
-            <p14:sldId id="2147469982"/>
+            <p14:sldId id="2147469987"/>
             <p14:sldId id="2147469983"/>
             <p14:sldId id="2147469985"/>
+            <p14:sldId id="2147469986"/>
             <p14:sldId id="2147469981"/>
           </p14:sldIdLst>
         </p14:section>
@@ -161,30 +163,45 @@
 </p:presentation>
 </file>
 
+<file path=ppt/revisionInfo.xml><?xml version="1.0" encoding="utf-8"?>
+<p1510:revInfo xmlns:a="http://schemas.openxmlformats.org/drawingml/2006/main" xmlns:r="http://schemas.openxmlformats.org/officeDocument/2006/relationships" xmlns:p1510="http://schemas.microsoft.com/office/powerpoint/2015/10/main">
+  <p1510:revLst>
+    <p1510:client id="{1343380D-A1FB-43A6-BA39-4E3F3EC025F8}" v="2" dt="2023-11-04T15:53:03.485"/>
+  </p1510:revLst>
+</p1510:revInfo>
+</file>
+
 <file path=ppt/changesInfos/changesInfo1.xml><?xml version="1.0" encoding="utf-8"?>
 <pc:chgInfo xmlns:a="http://schemas.openxmlformats.org/drawingml/2006/main" xmlns:r="http://schemas.openxmlformats.org/officeDocument/2006/relationships" xmlns:ac="http://schemas.microsoft.com/office/drawing/2013/main/command" xmlns:pc="http://schemas.microsoft.com/office/powerpoint/2013/main/command">
   <pc:docChgLst>
-    <pc:chgData name="Varma Gadhiraju" userId="88469f7f-f401-455b-ae9e-a032f36d81fa" providerId="ADAL" clId="{024A94E0-0284-425C-A71C-E17E609475EB}"/>
-    <pc:docChg chg="undo custSel delSld modSld modSection">
-      <pc:chgData name="Varma Gadhiraju" userId="88469f7f-f401-455b-ae9e-a032f36d81fa" providerId="ADAL" clId="{024A94E0-0284-425C-A71C-E17E609475EB}" dt="2023-11-05T03:03:17.826" v="2425" actId="20577"/>
+    <pc:chgData name="Sandeep Nair" userId="696b1cd6-e518-4d79-b445-2c9186d3f0ab" providerId="ADAL" clId="{1343380D-A1FB-43A6-BA39-4E3F3EC025F8}"/>
+    <pc:docChg chg="custSel modSld">
+      <pc:chgData name="Sandeep Nair" userId="696b1cd6-e518-4d79-b445-2c9186d3f0ab" providerId="ADAL" clId="{1343380D-A1FB-43A6-BA39-4E3F3EC025F8}" dt="2023-11-04T15:57:03.468" v="9" actId="33524"/>
       <pc:docMkLst>
         <pc:docMk/>
       </pc:docMkLst>
       <pc:sldChg chg="modNotesTx">
-        <pc:chgData name="Varma Gadhiraju" userId="88469f7f-f401-455b-ae9e-a032f36d81fa" providerId="ADAL" clId="{024A94E0-0284-425C-A71C-E17E609475EB}" dt="2023-11-05T02:46:18.321" v="905" actId="20577"/>
+        <pc:chgData name="Sandeep Nair" userId="696b1cd6-e518-4d79-b445-2c9186d3f0ab" providerId="ADAL" clId="{1343380D-A1FB-43A6-BA39-4E3F3EC025F8}" dt="2023-11-04T15:57:03.468" v="9" actId="33524"/>
         <pc:sldMkLst>
           <pc:docMk/>
-          <pc:sldMk cId="2189777577" sldId="2147469982"/>
+          <pc:sldMk cId="172670671" sldId="2076136250"/>
         </pc:sldMkLst>
       </pc:sldChg>
-      <pc:sldChg chg="modSp mod modNotesTx">
-        <pc:chgData name="Varma Gadhiraju" userId="88469f7f-f401-455b-ae9e-a032f36d81fa" providerId="ADAL" clId="{024A94E0-0284-425C-A71C-E17E609475EB}" dt="2023-11-05T03:03:17.826" v="2425" actId="20577"/>
+      <pc:sldChg chg="modNotesTx">
+        <pc:chgData name="Sandeep Nair" userId="696b1cd6-e518-4d79-b445-2c9186d3f0ab" providerId="ADAL" clId="{1343380D-A1FB-43A6-BA39-4E3F3EC025F8}" dt="2023-11-04T15:50:46.291" v="2" actId="20577"/>
+        <pc:sldMkLst>
+          <pc:docMk/>
+          <pc:sldMk cId="1641401202" sldId="2076136297"/>
+        </pc:sldMkLst>
+      </pc:sldChg>
+      <pc:sldChg chg="modSp mod">
+        <pc:chgData name="Sandeep Nair" userId="696b1cd6-e518-4d79-b445-2c9186d3f0ab" providerId="ADAL" clId="{1343380D-A1FB-43A6-BA39-4E3F3EC025F8}" dt="2023-11-04T15:52:51.039" v="5" actId="6549"/>
         <pc:sldMkLst>
           <pc:docMk/>
           <pc:sldMk cId="85133228" sldId="2147469983"/>
         </pc:sldMkLst>
         <pc:spChg chg="mod">
-          <ac:chgData name="Varma Gadhiraju" userId="88469f7f-f401-455b-ae9e-a032f36d81fa" providerId="ADAL" clId="{024A94E0-0284-425C-A71C-E17E609475EB}" dt="2023-11-05T02:58:07.970" v="1646" actId="21"/>
+          <ac:chgData name="Sandeep Nair" userId="696b1cd6-e518-4d79-b445-2c9186d3f0ab" providerId="ADAL" clId="{1343380D-A1FB-43A6-BA39-4E3F3EC025F8}" dt="2023-11-04T15:52:51.039" v="5" actId="6549"/>
           <ac:spMkLst>
             <pc:docMk/>
             <pc:sldMk cId="85133228" sldId="2147469983"/>
@@ -192,11 +209,95 @@
           </ac:spMkLst>
         </pc:spChg>
       </pc:sldChg>
-      <pc:sldChg chg="del">
-        <pc:chgData name="Varma Gadhiraju" userId="88469f7f-f401-455b-ae9e-a032f36d81fa" providerId="ADAL" clId="{024A94E0-0284-425C-A71C-E17E609475EB}" dt="2023-11-05T02:30:25.414" v="893" actId="47"/>
+      <pc:sldChg chg="modSp mod">
+        <pc:chgData name="Sandeep Nair" userId="696b1cd6-e518-4d79-b445-2c9186d3f0ab" providerId="ADAL" clId="{1343380D-A1FB-43A6-BA39-4E3F3EC025F8}" dt="2023-11-04T15:52:27.053" v="4" actId="6549"/>
         <pc:sldMkLst>
           <pc:docMk/>
-          <pc:sldMk cId="1720178716" sldId="2147469986"/>
+          <pc:sldMk cId="1918060408" sldId="2147469987"/>
+        </pc:sldMkLst>
+        <pc:spChg chg="mod">
+          <ac:chgData name="Sandeep Nair" userId="696b1cd6-e518-4d79-b445-2c9186d3f0ab" providerId="ADAL" clId="{1343380D-A1FB-43A6-BA39-4E3F3EC025F8}" dt="2023-11-04T15:52:27.053" v="4" actId="6549"/>
+          <ac:spMkLst>
+            <pc:docMk/>
+            <pc:sldMk cId="1918060408" sldId="2147469987"/>
+            <ac:spMk id="3" creationId="{46982CB1-256E-6CC5-294D-F1E6CA92938F}"/>
+          </ac:spMkLst>
+        </pc:spChg>
+      </pc:sldChg>
+    </pc:docChg>
+  </pc:docChgLst>
+  <pc:docChgLst>
+    <pc:chgData name="Sandeep Nair" userId="696b1cd6-e518-4d79-b445-2c9186d3f0ab" providerId="ADAL" clId="{4DFFD64B-8F11-4B1A-BFF6-DB9A1E37CD5D}"/>
+    <pc:docChg chg="undo custSel addSld delSld modSld modSection">
+      <pc:chgData name="Sandeep Nair" userId="696b1cd6-e518-4d79-b445-2c9186d3f0ab" providerId="ADAL" clId="{4DFFD64B-8F11-4B1A-BFF6-DB9A1E37CD5D}" dt="2023-11-03T09:29:33.674" v="2149" actId="20577"/>
+      <pc:docMkLst>
+        <pc:docMk/>
+      </pc:docMkLst>
+      <pc:sldChg chg="modSp mod modNotesTx">
+        <pc:chgData name="Sandeep Nair" userId="696b1cd6-e518-4d79-b445-2c9186d3f0ab" providerId="ADAL" clId="{4DFFD64B-8F11-4B1A-BFF6-DB9A1E37CD5D}" dt="2023-11-03T09:27:23.380" v="2088" actId="33524"/>
+        <pc:sldMkLst>
+          <pc:docMk/>
+          <pc:sldMk cId="172670671" sldId="2076136250"/>
+        </pc:sldMkLst>
+        <pc:spChg chg="mod">
+          <ac:chgData name="Sandeep Nair" userId="696b1cd6-e518-4d79-b445-2c9186d3f0ab" providerId="ADAL" clId="{4DFFD64B-8F11-4B1A-BFF6-DB9A1E37CD5D}" dt="2023-11-03T07:20:56.933" v="4" actId="6549"/>
+          <ac:spMkLst>
+            <pc:docMk/>
+            <pc:sldMk cId="172670671" sldId="2076136250"/>
+            <ac:spMk id="4" creationId="{7512C31D-C592-FCF5-6E10-83314A77B034}"/>
+          </ac:spMkLst>
+        </pc:spChg>
+      </pc:sldChg>
+      <pc:sldChg chg="modSp mod modNotesTx">
+        <pc:chgData name="Sandeep Nair" userId="696b1cd6-e518-4d79-b445-2c9186d3f0ab" providerId="ADAL" clId="{4DFFD64B-8F11-4B1A-BFF6-DB9A1E37CD5D}" dt="2023-11-03T09:29:33.674" v="2149" actId="20577"/>
+        <pc:sldMkLst>
+          <pc:docMk/>
+          <pc:sldMk cId="1641401202" sldId="2076136297"/>
+        </pc:sldMkLst>
+        <pc:spChg chg="mod">
+          <ac:chgData name="Sandeep Nair" userId="696b1cd6-e518-4d79-b445-2c9186d3f0ab" providerId="ADAL" clId="{4DFFD64B-8F11-4B1A-BFF6-DB9A1E37CD5D}" dt="2023-11-03T08:08:42.783" v="959" actId="6549"/>
+          <ac:spMkLst>
+            <pc:docMk/>
+            <pc:sldMk cId="1641401202" sldId="2076136297"/>
+            <ac:spMk id="5" creationId="{6F33E021-3047-07E5-4CC6-1F3BF72FAFB4}"/>
+          </ac:spMkLst>
+        </pc:spChg>
+      </pc:sldChg>
+      <pc:sldChg chg="modSp del mod">
+        <pc:chgData name="Sandeep Nair" userId="696b1cd6-e518-4d79-b445-2c9186d3f0ab" providerId="ADAL" clId="{4DFFD64B-8F11-4B1A-BFF6-DB9A1E37CD5D}" dt="2023-11-03T08:10:02.024" v="962" actId="47"/>
+        <pc:sldMkLst>
+          <pc:docMk/>
+          <pc:sldMk cId="2189777577" sldId="2147469982"/>
+        </pc:sldMkLst>
+        <pc:spChg chg="mod">
+          <ac:chgData name="Sandeep Nair" userId="696b1cd6-e518-4d79-b445-2c9186d3f0ab" providerId="ADAL" clId="{4DFFD64B-8F11-4B1A-BFF6-DB9A1E37CD5D}" dt="2023-11-03T08:09:43.349" v="960"/>
+          <ac:spMkLst>
+            <pc:docMk/>
+            <pc:sldMk cId="2189777577" sldId="2147469982"/>
+            <ac:spMk id="3" creationId="{46982CB1-256E-6CC5-294D-F1E6CA92938F}"/>
+          </ac:spMkLst>
+        </pc:spChg>
+      </pc:sldChg>
+      <pc:sldChg chg="modSp mod">
+        <pc:chgData name="Sandeep Nair" userId="696b1cd6-e518-4d79-b445-2c9186d3f0ab" providerId="ADAL" clId="{4DFFD64B-8F11-4B1A-BFF6-DB9A1E37CD5D}" dt="2023-11-03T08:29:44.869" v="1875" actId="20577"/>
+        <pc:sldMkLst>
+          <pc:docMk/>
+          <pc:sldMk cId="85133228" sldId="2147469983"/>
+        </pc:sldMkLst>
+        <pc:spChg chg="mod">
+          <ac:chgData name="Sandeep Nair" userId="696b1cd6-e518-4d79-b445-2c9186d3f0ab" providerId="ADAL" clId="{4DFFD64B-8F11-4B1A-BFF6-DB9A1E37CD5D}" dt="2023-11-03T08:29:44.869" v="1875" actId="20577"/>
+          <ac:spMkLst>
+            <pc:docMk/>
+            <pc:sldMk cId="85133228" sldId="2147469983"/>
+            <ac:spMk id="3" creationId="{5357802B-E9F4-A397-20D5-6E192C79263E}"/>
+          </ac:spMkLst>
+        </pc:spChg>
+      </pc:sldChg>
+      <pc:sldChg chg="add modNotesTx">
+        <pc:chgData name="Sandeep Nair" userId="696b1cd6-e518-4d79-b445-2c9186d3f0ab" providerId="ADAL" clId="{4DFFD64B-8F11-4B1A-BFF6-DB9A1E37CD5D}" dt="2023-11-03T08:18:56.764" v="1341" actId="6549"/>
+        <pc:sldMkLst>
+          <pc:docMk/>
+          <pc:sldMk cId="1918060408" sldId="2147469987"/>
         </pc:sldMkLst>
       </pc:sldChg>
     </pc:docChg>
@@ -298,7 +399,7 @@
           <a:p>
             <a:fld id="{5DC6FE6B-C416-4AB4-9C30-FB2A7099CAC6}" type="datetimeFigureOut">
               <a:rPr lang="en-US" smtClean="0"/>
-              <a:t>11/5/2023</a:t>
+              <a:t>11/4/2023</a:t>
             </a:fld>
             <a:endParaRPr lang="en-US"/>
           </a:p>
@@ -475,7 +576,7 @@
           <a:p>
             <a:fld id="{CFF76AD5-84B7-47FE-802A-FFAE792CDC84}" type="datetimeFigureOut">
               <a:rPr lang="en-US" smtClean="0"/>
-              <a:t>11/5/2023</a:t>
+              <a:t>11/4/2023</a:t>
             </a:fld>
             <a:endParaRPr lang="en-US"/>
           </a:p>
@@ -788,7 +889,7 @@
           <a:p>
             <a:r>
               <a:rPr lang="en-US" dirty="0"/>
-              <a:t>Hello Everyone. I’m going to walk you through the Challenge-3 of the Build and Modernize AI Applications Hackathon for the Vector Search &amp; AI Assistant solution accelerator.</a:t>
+              <a:t>Hello. Welcome to the walk through for Challenge-4 of the Build and Modernize AI Applications Hackathon for the Vector Search &amp; AI Assistant solution accelerator.</a:t>
             </a:r>
           </a:p>
           <a:p>
@@ -797,8 +898,25 @@
           <a:p>
             <a:r>
               <a:rPr lang="en-US" dirty="0"/>
-              <a:t>This is the train the trainer video for Challenge 3 : Now we’re Flying!</a:t>
-            </a:r>
+              <a:t>This is the train the trainer video for Challenge 4 : </a:t>
+            </a:r>
+            <a:r>
+              <a:rPr lang="en-IN" b="1" dirty="0">
+                <a:solidFill>
+                  <a:srgbClr val="569CD6"/>
+                </a:solidFill>
+                <a:effectLst/>
+                <a:latin typeface="Consolas" panose="020B0609020204030204" pitchFamily="49" charset="0"/>
+              </a:rPr>
+              <a:t>What's Your Vector, Victor?</a:t>
+            </a:r>
+            <a:endParaRPr lang="en-IN" b="0" dirty="0">
+              <a:solidFill>
+                <a:srgbClr val="D4D4D4"/>
+              </a:solidFill>
+              <a:effectLst/>
+              <a:latin typeface="Consolas" panose="020B0609020204030204" pitchFamily="49" charset="0"/>
+            </a:endParaRPr>
           </a:p>
           <a:p>
             <a:endParaRPr lang="en-US" dirty="0"/>
@@ -806,33 +924,23 @@
           <a:p>
             <a:r>
               <a:rPr lang="en-US" dirty="0"/>
-              <a:t>In this video, I’m going to walk you through the configuration and code changes required to solve the objectives of Challenge-3. </a:t>
-            </a:r>
-          </a:p>
-          <a:p>
-            <a:endParaRPr lang="en-US" dirty="0"/>
-          </a:p>
-          <a:p>
-            <a:pPr marL="0" marR="0" lvl="0" indent="0" algn="l" defTabSz="914400" rtl="0" eaLnBrk="1" fontAlgn="auto" latinLnBrk="0" hangingPunct="1">
-              <a:lnSpc>
-                <a:spcPct val="100000"/>
-              </a:lnSpc>
-              <a:spcBef>
-                <a:spcPts val="0"/>
-              </a:spcBef>
-              <a:spcAft>
-                <a:spcPts val="0"/>
-              </a:spcAft>
-              <a:buClrTx/>
-              <a:buSzTx/>
-              <a:buFontTx/>
-              <a:buNone/>
-              <a:tabLst/>
-              <a:defRPr/>
-            </a:pPr>
+              <a:t>This video is </a:t>
+            </a:r>
+            <a:r>
+              <a:rPr lang="en-US"/>
+              <a:t>part of  </a:t>
+            </a:r>
             <a:r>
               <a:rPr lang="en-US" dirty="0"/>
-              <a:t>This video is part of a series of train the trainer videos, power points and other assets provided as part of the training materials for delivering this hackathon.</a:t>
+              <a:t>the trainer </a:t>
+            </a:r>
+            <a:r>
+              <a:rPr lang="en-US"/>
+              <a:t>videos series, </a:t>
+            </a:r>
+            <a:r>
+              <a:rPr lang="en-US" dirty="0"/>
+              <a:t>and, in this video, I will highlight key pieces of knowledge that would you need to effectively coach the hackathon participants.</a:t>
             </a:r>
           </a:p>
           <a:p>
@@ -977,7 +1085,13 @@
           <a:p>
             <a:r>
               <a:rPr lang="en-US" dirty="0"/>
-              <a:t>Let’s go over the objectives for challenge-3.</a:t>
+              <a:t>In the last  3 challenges, We looked at how to configure the solution and  the various Azure services,  load data into Cosmos DB,  configure change feed. We also looked at how semantic kernel </a:t>
+            </a:r>
+          </a:p>
+          <a:p>
+            <a:r>
+              <a:rPr lang="en-US" dirty="0"/>
+              <a:t> used  vector index to find the relevant records to interact with  the LLM.</a:t>
             </a:r>
           </a:p>
           <a:p>
@@ -985,77 +1099,31 @@
           </a:p>
           <a:p>
             <a:r>
-              <a:rPr lang="en-GB" b="0" i="0" dirty="0">
-                <a:solidFill>
-                  <a:srgbClr val="ADBAC7"/>
-                </a:solidFill>
-                <a:effectLst/>
-                <a:latin typeface="-apple-system"/>
-              </a:rPr>
-              <a:t>With the critical components in place, we're ready to tie everything into the chat interface. When a user types a question into the chat interface, we need to create a vector embedding for the question, then search for the most similar vector embeddings for products and accounts, and return the relevant documents that get sent to Azure OpenAI's completions endpoint.</a:t>
-            </a:r>
-          </a:p>
-          <a:p>
-            <a:endParaRPr lang="en-GB" b="0" i="0" dirty="0">
-              <a:solidFill>
-                <a:srgbClr val="ADBAC7"/>
-              </a:solidFill>
-              <a:effectLst/>
-              <a:latin typeface="-apple-system"/>
-            </a:endParaRPr>
-          </a:p>
-          <a:p>
-            <a:r>
-              <a:rPr lang="en-GB" b="0" i="0" dirty="0">
-                <a:solidFill>
-                  <a:srgbClr val="ADBAC7"/>
-                </a:solidFill>
-                <a:effectLst/>
-                <a:latin typeface="-apple-system"/>
-              </a:rPr>
-              <a:t>We are going to use the completion endpoint of the Azure OpenAI Gpt-35-turbo model to generate conversational responses. We also need to store the chat interactions in </a:t>
-            </a:r>
-            <a:r>
-              <a:rPr lang="en-GB" b="0" i="0" dirty="0" err="1">
-                <a:solidFill>
-                  <a:srgbClr val="ADBAC7"/>
-                </a:solidFill>
-                <a:effectLst/>
-                <a:latin typeface="-apple-system"/>
-              </a:rPr>
-              <a:t>CosmosDB</a:t>
-            </a:r>
-            <a:r>
-              <a:rPr lang="en-GB" b="0" i="0" dirty="0">
-                <a:solidFill>
-                  <a:srgbClr val="ADBAC7"/>
-                </a:solidFill>
-                <a:effectLst/>
-                <a:latin typeface="-apple-system"/>
-              </a:rPr>
-              <a:t> so we can load them in the future.</a:t>
-            </a:r>
-          </a:p>
-          <a:p>
-            <a:endParaRPr lang="en-GB" b="0" i="0" dirty="0">
-              <a:solidFill>
-                <a:srgbClr val="ADBAC7"/>
-              </a:solidFill>
-              <a:effectLst/>
-              <a:latin typeface="-apple-system"/>
-            </a:endParaRPr>
-          </a:p>
-          <a:p>
-            <a:r>
-              <a:rPr lang="en-GB" b="0" i="0" dirty="0">
-                <a:solidFill>
-                  <a:srgbClr val="ADBAC7"/>
-                </a:solidFill>
-                <a:effectLst/>
-                <a:latin typeface="-apple-system"/>
-              </a:rPr>
-              <a:t>Once we are done with stitching the necessary components together, we will experiment with prompt engineering to see how the responses vary based on the prompt instructions. This is the main objective of this challenge. </a:t>
-            </a:r>
+              <a:rPr lang="en-US" dirty="0"/>
+              <a:t>This challenge will focus on</a:t>
+            </a:r>
+          </a:p>
+          <a:p>
+            <a:pPr marL="228600" indent="-228600">
+              <a:buFont typeface="+mj-lt"/>
+              <a:buAutoNum type="arabicPeriod"/>
+            </a:pPr>
+            <a:r>
+              <a:rPr lang="en-US" dirty="0"/>
+              <a:t>Understanding  how new data becomes available to for interaction in the RAG pattern.</a:t>
+            </a:r>
+          </a:p>
+          <a:p>
+            <a:pPr marL="228600" indent="-228600">
+              <a:buFont typeface="+mj-lt"/>
+              <a:buAutoNum type="arabicPeriod"/>
+            </a:pPr>
+            <a:r>
+              <a:rPr lang="en-US" dirty="0"/>
+              <a:t>We will also explore different user prompt styles  when interacting with LLMs</a:t>
+            </a:r>
+          </a:p>
+          <a:p>
             <a:endParaRPr lang="en-US" dirty="0"/>
           </a:p>
         </p:txBody>
@@ -1142,13 +1210,39 @@
           <a:p>
             <a:r>
               <a:rPr lang="en-US" dirty="0"/>
-              <a:t>Before you or an attendee gets started with this hackathon the following prerequisites are required. </a:t>
-            </a:r>
-          </a:p>
-          <a:p>
+              <a:t>This challenge assumes you  </a:t>
+            </a:r>
+            <a:r>
+              <a:rPr lang="en-US" sz="1800" b="0" i="0" u="none" strike="noStrike" dirty="0">
+                <a:solidFill>
+                  <a:srgbClr val="000000"/>
+                </a:solidFill>
+                <a:effectLst/>
+                <a:latin typeface="Calibri" panose="020F0502020204030204" pitchFamily="34" charset="0"/>
+              </a:rPr>
+              <a:t>the following prerequisites, these are  the same from challenge 2</a:t>
+            </a:r>
+            <a:endParaRPr lang="en-US" dirty="0"/>
+          </a:p>
+          <a:p>
+            <a:endParaRPr lang="en-US" dirty="0"/>
+          </a:p>
+          <a:p>
+            <a:r>
+              <a:rPr lang="en-US" dirty="0" err="1"/>
+              <a:t>Cosmosdb</a:t>
+            </a:r>
             <a:r>
               <a:rPr lang="en-US" dirty="0"/>
-              <a:t>As mentioned, the main learning objective of this challenge is to introduce you to prompt engineering, take a look at the resource provided to understand more about constructing effective prompts.</a:t>
+              <a:t> Data Migration tool to load the data into </a:t>
+            </a:r>
+            <a:r>
+              <a:rPr lang="en-US" dirty="0" err="1"/>
+              <a:t>Cosmosdb</a:t>
+            </a:r>
+            <a:r>
+              <a:rPr lang="en-US" dirty="0"/>
+              <a:t>. </a:t>
             </a:r>
           </a:p>
           <a:p>
@@ -1157,15 +1251,28 @@
           <a:p>
             <a:r>
               <a:rPr lang="en-US" dirty="0"/>
-              <a:t>Memories, is an important topic to understand the flow of this solution – In this case we are using </a:t>
-            </a:r>
+              <a:t>Semantic Kernel  to understand the flow of events  when  new data has to be vectorized and stored  for future interaction  with the LLM. </a:t>
+            </a:r>
+          </a:p>
+          <a:p>
+            <a:endParaRPr lang="en-US" dirty="0"/>
+          </a:p>
+          <a:p>
             <a:r>
               <a:rPr lang="en-US" dirty="0" err="1"/>
-              <a:t>CognitiveSearch</a:t>
+              <a:t>Changefeed</a:t>
             </a:r>
             <a:r>
               <a:rPr lang="en-US" dirty="0"/>
-              <a:t> Index as a memory to store and retrieve our documents for context . </a:t>
+              <a:t> in </a:t>
+            </a:r>
+            <a:r>
+              <a:rPr lang="en-US" dirty="0" err="1"/>
+              <a:t>cosmosdb</a:t>
+            </a:r>
+            <a:r>
+              <a:rPr lang="en-US" dirty="0"/>
+              <a:t> to track updates to  the container , for further processing via Semantic Kernel to generate embedding for each updated record and store them in the Cognitive Search Index.</a:t>
             </a:r>
           </a:p>
         </p:txBody>
@@ -1251,8 +1358,8 @@
           <a:lstStyle/>
           <a:p>
             <a:r>
-              <a:rPr lang="en-GB" dirty="0"/>
-              <a:t>Lets look at the Steps you need to perform to solve this challenge.</a:t>
+              <a:rPr lang="en-US" dirty="0"/>
+              <a:t>To complete this challenge, you need to perform 3 steps.</a:t>
             </a:r>
           </a:p>
           <a:p>
@@ -1260,12 +1367,70 @@
           </a:p>
           <a:p>
             <a:r>
+              <a:rPr lang="en-US" dirty="0"/>
+              <a:t>First, download and configure the Data Migration tool – Once downloaded, locate the </a:t>
+            </a:r>
+            <a:r>
+              <a:rPr lang="en-US" dirty="0" err="1"/>
+              <a:t>migrationsetting.template.json</a:t>
+            </a:r>
+            <a:r>
+              <a:rPr lang="en-US" dirty="0"/>
+              <a:t> file in the DMT folder. Replace the contents of this file with the sample file provided in the challenge repo. Before you run the tool, you need to replace the </a:t>
+            </a:r>
+            <a:r>
+              <a:rPr lang="en-US" dirty="0" err="1"/>
+              <a:t>Cosmosdb</a:t>
+            </a:r>
+            <a:r>
+              <a:rPr lang="en-US" dirty="0"/>
+              <a:t> connection string value with the connection string of the </a:t>
+            </a:r>
+            <a:r>
+              <a:rPr lang="en-US" dirty="0" err="1"/>
+              <a:t>Cosmosdb</a:t>
+            </a:r>
+            <a:r>
+              <a:rPr lang="en-US" dirty="0"/>
+              <a:t> service deployed as part of Challenge-1</a:t>
+            </a:r>
+          </a:p>
+          <a:p>
+            <a:endParaRPr lang="en-US" dirty="0"/>
+          </a:p>
+          <a:p>
+            <a:r>
+              <a:rPr lang="en-US" dirty="0"/>
+              <a:t>Next, to create the cognitive search index, you need to complete the code sections in the </a:t>
+            </a:r>
+            <a:r>
+              <a:rPr lang="en-US" sz="1200" i="1" dirty="0" err="1"/>
+              <a:t>AzureCognitiveSearchVectorMemory.cs</a:t>
+            </a:r>
+            <a:r>
               <a:rPr lang="en-US" sz="1200" i="1" dirty="0"/>
-              <a:t>First, specify how the memory or context and System message needs to be formatted with the given instructions. Also, add the user and system messages to the chat history object with a specific role. You need to do this by completing the code in </a:t>
+              <a:t>, this is located in the </a:t>
             </a:r>
             <a:r>
               <a:rPr lang="en-US" sz="1200" i="1" dirty="0" err="1"/>
-              <a:t>ChatBuilder.cs</a:t>
+              <a:t>VectorSearchAiAssistant.SemanticKernel</a:t>
+            </a:r>
+            <a:r>
+              <a:rPr lang="en-US" sz="1200" i="1" dirty="0"/>
+              <a:t> project of the solution you have open in Visual Studio for debugging.</a:t>
+            </a:r>
+          </a:p>
+          <a:p>
+            <a:endParaRPr lang="en-US" sz="1200" i="1" dirty="0"/>
+          </a:p>
+          <a:p>
+            <a:r>
+              <a:rPr lang="en-US" sz="1200" i="1" dirty="0"/>
+              <a:t>Finally, to enable change feed to read all the loaded documents in customer and product collections, you need to complete the code in </a:t>
+            </a:r>
+            <a:r>
+              <a:rPr lang="en-US" sz="1200" i="1" dirty="0" err="1"/>
+              <a:t>ComosDbService.cs</a:t>
             </a:r>
             <a:r>
               <a:rPr lang="en-US" sz="1200" i="1" dirty="0"/>
@@ -1273,7 +1438,7 @@
             </a:r>
             <a:r>
               <a:rPr lang="en-US" sz="1200" i="1" dirty="0" err="1"/>
-              <a:t>SemanticKernel</a:t>
+              <a:t>VectorSearchAIAssistant.Service</a:t>
             </a:r>
             <a:r>
               <a:rPr lang="en-US" sz="1200" i="1" dirty="0"/>
@@ -1286,58 +1451,7 @@
           <a:p>
             <a:r>
               <a:rPr lang="en-US" sz="1200" i="1" dirty="0"/>
-              <a:t>Next, Complete the code in </a:t>
-            </a:r>
-            <a:r>
-              <a:rPr lang="en-US" sz="1200" i="1" dirty="0" err="1"/>
-              <a:t>ChatService.cs</a:t>
-            </a:r>
-            <a:r>
-              <a:rPr lang="en-US" sz="1200" i="1" dirty="0"/>
-              <a:t> file in the Service project to receive a prompt from the user, vectorize it using OpenAI embedding model, retrieve the context from the Vector index and then get a completion from the chat model. You will also store the conversation as history in </a:t>
-            </a:r>
-            <a:r>
-              <a:rPr lang="en-US" sz="1200" i="1" dirty="0" err="1"/>
-              <a:t>comosdb</a:t>
-            </a:r>
-            <a:r>
-              <a:rPr lang="en-US" sz="1200" i="1" dirty="0"/>
-              <a:t> completions collection.</a:t>
-            </a:r>
-          </a:p>
-          <a:p>
-            <a:endParaRPr lang="en-US" sz="1200" i="1" dirty="0"/>
-          </a:p>
-          <a:p>
-            <a:r>
-              <a:rPr lang="en-US" sz="1200" i="1" dirty="0"/>
-              <a:t>We will also complete the code in </a:t>
-            </a:r>
-            <a:r>
-              <a:rPr lang="en-US" sz="1200" i="1" dirty="0" err="1"/>
-              <a:t>SemanticKernelRAGService.cs</a:t>
-            </a:r>
-            <a:r>
-              <a:rPr lang="en-US" sz="1200" i="1" dirty="0"/>
-              <a:t> file in the same project to initiate the actions discussed earlier and then create a result to display in the user interface. </a:t>
-            </a:r>
-          </a:p>
-          <a:p>
-            <a:endParaRPr lang="en-US" sz="1200" i="1" dirty="0"/>
-          </a:p>
-          <a:p>
-            <a:r>
-              <a:rPr lang="en-US" sz="1200" i="1" dirty="0"/>
-              <a:t>Finally, you will use the prompt template provided in the repo and modify it to meet the requirements of the challenge. You can experiment with different prompts to see how the quality or relevance of the responses change.</a:t>
-            </a:r>
-          </a:p>
-          <a:p>
-            <a:endParaRPr lang="en-US" sz="1200" i="1" dirty="0"/>
-          </a:p>
-          <a:p>
-            <a:r>
-              <a:rPr lang="en-US" sz="1200" i="1" dirty="0"/>
-              <a:t>Let's see a demo of how to complete these steps to complete the challenge.</a:t>
+              <a:t>Let's see a demo of how to complete these 3 steps to complete the challenge.</a:t>
             </a:r>
           </a:p>
           <a:p>
@@ -1458,7 +1572,7 @@
           <a:p>
             <a:fld id="{CCB0B7A7-645F-45EF-A82D-25C8E51FB344}" type="slidenum">
               <a:rPr lang="en-US" smtClean="0"/>
-              <a:t>6</a:t>
+              <a:t>7</a:t>
             </a:fld>
             <a:endParaRPr lang="en-US"/>
           </a:p>
@@ -12245,7 +12359,7 @@
           <a:p>
             <a:fld id="{E99080E2-161E-4461-9006-6F8BF1776BE3}" type="datetime1">
               <a:rPr lang="en-US" smtClean="0"/>
-              <a:t>11/5/2023</a:t>
+              <a:t>11/4/2023</a:t>
             </a:fld>
             <a:endParaRPr lang="en-US"/>
           </a:p>
@@ -12358,7 +12472,7 @@
           <a:p>
             <a:fld id="{643E9E83-8A79-40C0-9FE5-E30ED9EDC2DE}" type="datetime1">
               <a:rPr lang="en-US" smtClean="0"/>
-              <a:t>11/5/2023</a:t>
+              <a:t>11/4/2023</a:t>
             </a:fld>
             <a:endParaRPr lang="en-US"/>
           </a:p>
@@ -16063,7 +16177,7 @@
         <p:spPr>
           <a:xfrm>
             <a:off x="4851401" y="5280124"/>
-            <a:ext cx="7084436" cy="338554"/>
+            <a:ext cx="7084436" cy="744819"/>
           </a:xfrm>
           <a:prstGeom prst="rect">
             <a:avLst/>
@@ -16258,8 +16372,28 @@
           <a:p>
             <a:r>
               <a:rPr lang="en-US" dirty="0"/>
-              <a:t>Challenge 3: Now we’re Flying</a:t>
-            </a:r>
+              <a:t>Challenge 4: </a:t>
+            </a:r>
+            <a:r>
+              <a:rPr lang="en-IN" b="1" dirty="0">
+                <a:solidFill>
+                  <a:srgbClr val="569CD6"/>
+                </a:solidFill>
+                <a:effectLst/>
+                <a:latin typeface="Consolas" panose="020B0609020204030204" pitchFamily="49" charset="0"/>
+              </a:rPr>
+              <a:t>What's Your Vector, Victor?</a:t>
+            </a:r>
+            <a:endParaRPr lang="en-IN" b="0" dirty="0">
+              <a:solidFill>
+                <a:srgbClr val="D4D4D4"/>
+              </a:solidFill>
+              <a:effectLst/>
+              <a:latin typeface="Consolas" panose="020B0609020204030204" pitchFamily="49" charset="0"/>
+            </a:endParaRPr>
+          </a:p>
+          <a:p>
+            <a:endParaRPr lang="en-US" dirty="0"/>
           </a:p>
         </p:txBody>
       </p:sp>
@@ -16352,99 +16486,85 @@
         <p:spPr>
           <a:xfrm>
             <a:off x="586390" y="1434370"/>
-            <a:ext cx="11018520" cy="5256824"/>
+            <a:ext cx="11018520" cy="4210383"/>
           </a:xfrm>
         </p:spPr>
         <p:txBody>
           <a:bodyPr/>
           <a:lstStyle/>
           <a:p>
-            <a:r>
-              <a:rPr lang="en-US" dirty="0"/>
-              <a:t>Let’s integrate the chat components and prompt engineering</a:t>
-            </a:r>
-          </a:p>
-          <a:p>
-            <a:endParaRPr lang="en-US" dirty="0"/>
-          </a:p>
-          <a:p>
             <a:pPr marL="457200" indent="-457200">
               <a:buFont typeface="Arial" panose="020B0604020202020204" pitchFamily="34" charset="0"/>
               <a:buChar char="•"/>
             </a:pPr>
             <a:r>
-              <a:rPr lang="en-US" dirty="0"/>
-              <a:t>Complete the chat interface modules to - </a:t>
-            </a:r>
-          </a:p>
-          <a:p>
-            <a:pPr marL="685800" lvl="1" indent="-457200">
-              <a:buFont typeface="Arial" panose="020B0604020202020204" pitchFamily="34" charset="0"/>
-              <a:buChar char="•"/>
-            </a:pPr>
-            <a:r>
-              <a:rPr lang="en-US" dirty="0"/>
-              <a:t>generate embeddings for user messages</a:t>
-            </a:r>
-          </a:p>
-          <a:p>
-            <a:pPr marL="685800" lvl="1" indent="-457200">
-              <a:buFont typeface="Arial" panose="020B0604020202020204" pitchFamily="34" charset="0"/>
-              <a:buChar char="•"/>
-            </a:pPr>
-            <a:r>
-              <a:rPr lang="en-US" dirty="0"/>
-              <a:t>Look up the Vector Index to retrieve the most relevant documents</a:t>
-            </a:r>
-          </a:p>
-          <a:p>
-            <a:pPr marL="685800" lvl="1" indent="-457200">
-              <a:buFont typeface="Arial" panose="020B0604020202020204" pitchFamily="34" charset="0"/>
-              <a:buChar char="•"/>
-            </a:pPr>
-            <a:r>
-              <a:rPr lang="en-US" dirty="0"/>
-              <a:t>Construct the System message, context and completion </a:t>
-            </a:r>
-          </a:p>
-          <a:p>
-            <a:pPr marL="685800" lvl="1" indent="-457200">
-              <a:buFont typeface="Arial" panose="020B0604020202020204" pitchFamily="34" charset="0"/>
-              <a:buChar char="•"/>
-            </a:pPr>
-            <a:r>
-              <a:rPr lang="en-US" dirty="0"/>
-              <a:t>Store the chat history in </a:t>
-            </a:r>
-            <a:r>
-              <a:rPr lang="en-US" dirty="0" err="1"/>
-              <a:t>CosmosDB</a:t>
-            </a:r>
-            <a:endParaRPr lang="en-US" dirty="0"/>
+              <a:rPr lang="en-US" sz="2400" dirty="0"/>
+              <a:t>Understand the steps involved is making new data ready for LLM interaction.</a:t>
+            </a:r>
           </a:p>
           <a:p>
             <a:pPr marL="457200" indent="-457200">
               <a:buFont typeface="Arial" panose="020B0604020202020204" pitchFamily="34" charset="0"/>
               <a:buChar char="•"/>
             </a:pPr>
-            <a:r>
-              <a:rPr lang="en-US" dirty="0"/>
-              <a:t>And finally, experiment with different Prompts to improve the responses</a:t>
-            </a:r>
-          </a:p>
-          <a:p>
+            <a:endParaRPr lang="en-US" sz="2400" dirty="0"/>
+          </a:p>
+          <a:p>
+            <a:pPr marL="457200" indent="-457200">
+              <a:buFont typeface="Arial" panose="020B0604020202020204" pitchFamily="34" charset="0"/>
+              <a:buChar char="•"/>
+            </a:pPr>
+            <a:r>
+              <a:rPr lang="en-US" sz="2400" dirty="0"/>
+              <a:t>Explore how to </a:t>
+            </a:r>
+            <a:r>
+              <a:rPr lang="en-IN" sz="2400" dirty="0"/>
+              <a:t>elicit different response formats from the LLM.</a:t>
+            </a:r>
+          </a:p>
+          <a:p>
+            <a:pPr marL="457200" indent="-457200">
+              <a:buFont typeface="Arial" panose="020B0604020202020204" pitchFamily="34" charset="0"/>
+              <a:buChar char="•"/>
+            </a:pPr>
+            <a:endParaRPr lang="en-IN" dirty="0"/>
+          </a:p>
+          <a:p>
+            <a:pPr marL="457200" indent="-457200">
+              <a:buFont typeface="Arial" panose="020B0604020202020204" pitchFamily="34" charset="0"/>
+              <a:buChar char="•"/>
+            </a:pPr>
+            <a:endParaRPr lang="en-IN" dirty="0"/>
+          </a:p>
+          <a:p>
+            <a:pPr marL="457200" indent="-457200">
+              <a:buFont typeface="Arial" panose="020B0604020202020204" pitchFamily="34" charset="0"/>
+              <a:buChar char="•"/>
+            </a:pPr>
             <a:endParaRPr lang="en-US" dirty="0"/>
           </a:p>
           <a:p>
-            <a:r>
-              <a:rPr lang="en-US" sz="1800" dirty="0">
+            <a:pPr marL="457200" indent="-457200">
+              <a:buFont typeface="Arial" panose="020B0604020202020204" pitchFamily="34" charset="0"/>
+              <a:buChar char="•"/>
+            </a:pPr>
+            <a:endParaRPr lang="en-US" dirty="0"/>
+          </a:p>
+          <a:p>
+            <a:r>
+              <a:rPr lang="en-US" sz="2000" dirty="0">
                 <a:hlinkClick r:id="rId3"/>
               </a:rPr>
-              <a:t>https://github.com/Azure/Build-Modern-AI-Apps-Hackathon/blob/main/03-challenge03.md</a:t>
-            </a:r>
-            <a:endParaRPr lang="en-US" sz="1800" dirty="0"/>
-          </a:p>
-          <a:p>
+              <a:t>https://github.com/Azure/Build-Modern-AI-Apps-Hackathon/blob/main/04-challenge04.md</a:t>
+            </a:r>
+            <a:endParaRPr lang="en-US" sz="2000" dirty="0"/>
+          </a:p>
+          <a:p>
+            <a:pPr marL="457200" indent="-457200">
+              <a:buFont typeface="Arial" panose="020B0604020202020204" pitchFamily="34" charset="0"/>
+              <a:buChar char="•"/>
+            </a:pPr>
             <a:endParaRPr lang="en-US" dirty="0"/>
           </a:p>
         </p:txBody>
@@ -16529,7 +16649,7 @@
         <p:spPr>
           <a:xfrm>
             <a:off x="586740" y="1513189"/>
-            <a:ext cx="11018520" cy="4018931"/>
+            <a:ext cx="11018520" cy="3767185"/>
           </a:xfrm>
         </p:spPr>
         <p:txBody>
@@ -16542,13 +16662,69 @@
             </a:pPr>
             <a:r>
               <a:rPr lang="en-GB" sz="2400" dirty="0"/>
-              <a:t>Intro to Prompt Engineering - </a:t>
+              <a:t>Semantic Kernel - </a:t>
             </a:r>
             <a:r>
               <a:rPr lang="en-GB" sz="2400" dirty="0">
                 <a:hlinkClick r:id="rId3"/>
               </a:rPr>
-              <a:t>https://learn.microsoft.com/en-us/azure/ai-services/openai/concepts/prompt-engineering</a:t>
+              <a:t>Orchestrate your AI with Semantic Kernel | Microsoft Learn</a:t>
+            </a:r>
+            <a:endParaRPr lang="en-US" sz="2400" dirty="0"/>
+          </a:p>
+          <a:p>
+            <a:pPr marL="457200" indent="-457200">
+              <a:buFont typeface="Arial" panose="020B0604020202020204" pitchFamily="34" charset="0"/>
+              <a:buChar char="•"/>
+            </a:pPr>
+            <a:endParaRPr lang="en-US" sz="2400" dirty="0"/>
+          </a:p>
+          <a:p>
+            <a:pPr marL="457200" indent="-457200">
+              <a:buFont typeface="Arial" panose="020B0604020202020204" pitchFamily="34" charset="0"/>
+              <a:buChar char="•"/>
+            </a:pPr>
+            <a:r>
+              <a:rPr lang="en-US" sz="2400" dirty="0"/>
+              <a:t>Cognitive Search Vector Index - </a:t>
+            </a:r>
+            <a:r>
+              <a:rPr lang="en-GB" sz="2400" dirty="0">
+                <a:hlinkClick r:id="rId4"/>
+              </a:rPr>
+              <a:t>Add vector search - Azure Cognitive Search | Microsoft Learn</a:t>
+            </a:r>
+            <a:endParaRPr lang="en-GB" sz="2400" dirty="0"/>
+          </a:p>
+          <a:p>
+            <a:pPr marL="457200" indent="-457200">
+              <a:buFont typeface="Arial" panose="020B0604020202020204" pitchFamily="34" charset="0"/>
+              <a:buChar char="•"/>
+            </a:pPr>
+            <a:endParaRPr lang="en-US" sz="2400" dirty="0"/>
+          </a:p>
+          <a:p>
+            <a:pPr marL="457200" indent="-457200">
+              <a:buFont typeface="Arial" panose="020B0604020202020204" pitchFamily="34" charset="0"/>
+              <a:buChar char="•"/>
+            </a:pPr>
+            <a:r>
+              <a:rPr lang="en-US" sz="2400" dirty="0"/>
+              <a:t>Change Feed in </a:t>
+            </a:r>
+            <a:r>
+              <a:rPr lang="en-US" sz="2400" dirty="0" err="1"/>
+              <a:t>CosmosDB</a:t>
+            </a:r>
+            <a:r>
+              <a:rPr lang="en-US" sz="2400" dirty="0"/>
+              <a:t> - </a:t>
+            </a:r>
+            <a:r>
+              <a:rPr lang="en-GB" sz="2400" dirty="0">
+                <a:hlinkClick r:id="rId5"/>
+              </a:rPr>
+              <a:t>Working with the change feed - Azure Cosmos DB | Microsoft Learn</a:t>
             </a:r>
             <a:endParaRPr lang="en-GB" sz="2400" dirty="0"/>
           </a:p>
@@ -16564,61 +16740,6 @@
               <a:buFont typeface="Arial" panose="020B0604020202020204" pitchFamily="34" charset="0"/>
               <a:buChar char="•"/>
             </a:pPr>
-            <a:r>
-              <a:rPr lang="en-GB" sz="2400" dirty="0"/>
-              <a:t>Semantic Memory - </a:t>
-            </a:r>
-            <a:r>
-              <a:rPr lang="en-GB" sz="2400" dirty="0">
-                <a:hlinkClick r:id="rId4"/>
-              </a:rPr>
-              <a:t>https://learn.microsoft.com/en-us/semantic-kernel/memories/</a:t>
-            </a:r>
-            <a:endParaRPr lang="en-US" sz="2400" dirty="0"/>
-          </a:p>
-          <a:p>
-            <a:pPr marL="457200" indent="-457200">
-              <a:buFont typeface="Arial" panose="020B0604020202020204" pitchFamily="34" charset="0"/>
-              <a:buChar char="•"/>
-            </a:pPr>
-            <a:endParaRPr lang="en-US" sz="2400" dirty="0"/>
-          </a:p>
-          <a:p>
-            <a:pPr marL="457200" indent="-457200">
-              <a:buFont typeface="Arial" panose="020B0604020202020204" pitchFamily="34" charset="0"/>
-              <a:buChar char="•"/>
-            </a:pPr>
-            <a:r>
-              <a:rPr lang="en-US" sz="2400" dirty="0"/>
-              <a:t>Cognitive Search Vector Index - </a:t>
-            </a:r>
-            <a:r>
-              <a:rPr lang="en-GB" sz="2400" dirty="0">
-                <a:hlinkClick r:id="rId5"/>
-              </a:rPr>
-              <a:t>https://learn.microsoft.com/en-us/azure/search/vector-search-how-to-create-index</a:t>
-            </a:r>
-            <a:endParaRPr lang="en-GB" sz="2400" dirty="0"/>
-          </a:p>
-          <a:p>
-            <a:pPr marL="457200" indent="-457200">
-              <a:buFont typeface="Arial" panose="020B0604020202020204" pitchFamily="34" charset="0"/>
-              <a:buChar char="•"/>
-            </a:pPr>
-            <a:endParaRPr lang="en-US" sz="2400" dirty="0"/>
-          </a:p>
-          <a:p>
-            <a:pPr marL="457200" indent="-457200">
-              <a:buFont typeface="Arial" panose="020B0604020202020204" pitchFamily="34" charset="0"/>
-              <a:buChar char="•"/>
-            </a:pPr>
-            <a:endParaRPr lang="en-GB" sz="2400" dirty="0"/>
-          </a:p>
-          <a:p>
-            <a:pPr marL="457200" indent="-457200">
-              <a:buFont typeface="Arial" panose="020B0604020202020204" pitchFamily="34" charset="0"/>
-              <a:buChar char="•"/>
-            </a:pPr>
             <a:endParaRPr lang="en-GB" sz="2400" dirty="0"/>
           </a:p>
         </p:txBody>
@@ -16626,7 +16747,7 @@
     </p:spTree>
     <p:extLst>
       <p:ext uri="{BB962C8B-B14F-4D97-AF65-F5344CB8AC3E}">
-        <p14:creationId xmlns:p14="http://schemas.microsoft.com/office/powerpoint/2010/main" val="2189777577"/>
+        <p14:creationId xmlns:p14="http://schemas.microsoft.com/office/powerpoint/2010/main" val="1918060408"/>
       </p:ext>
     </p:extLst>
   </p:cSld>
@@ -16702,8 +16823,8 @@
         </p:nvSpPr>
         <p:spPr>
           <a:xfrm>
-            <a:off x="348647" y="1172750"/>
-            <a:ext cx="11584273" cy="6457152"/>
+            <a:off x="588263" y="1218470"/>
+            <a:ext cx="11453210" cy="5589222"/>
           </a:xfrm>
         </p:spPr>
         <p:txBody>
@@ -16715,225 +16836,96 @@
               <a:buAutoNum type="arabicPeriod"/>
             </a:pPr>
             <a:r>
-              <a:rPr lang="en-GB" sz="2400" dirty="0"/>
-              <a:t>Build the memories section of the prompt and the System Message</a:t>
-            </a:r>
-            <a:endParaRPr lang="en-US" sz="2400" dirty="0"/>
-          </a:p>
-          <a:p>
-            <a:pPr marL="514350" lvl="1" indent="-285750">
+              <a:rPr lang="en-US" sz="2400" dirty="0"/>
+              <a:t>Understanding  the process  of creating embedding, storing it in Cognitive Search </a:t>
+            </a:r>
+          </a:p>
+          <a:p>
+            <a:pPr marL="742950" lvl="2" indent="-285750">
               <a:buFont typeface="Wingdings" panose="05000000000000000000" pitchFamily="2" charset="2"/>
               <a:buChar char="ü"/>
             </a:pPr>
             <a:r>
-              <a:rPr lang="en-US" sz="1600" dirty="0"/>
-              <a:t>Format the System Message – “</a:t>
-            </a:r>
-            <a:r>
-              <a:rPr lang="en-US" sz="1600" dirty="0" err="1"/>
-              <a:t>systemMessage</a:t>
-            </a:r>
-            <a:r>
-              <a:rPr lang="en-US" sz="1600" dirty="0"/>
-              <a:t> newline </a:t>
-            </a:r>
-            <a:r>
-              <a:rPr lang="en-US" sz="1600" dirty="0" err="1"/>
-              <a:t>newline</a:t>
-            </a:r>
-            <a:r>
-              <a:rPr lang="en-US" sz="1600" dirty="0"/>
-              <a:t> </a:t>
-            </a:r>
-            <a:r>
-              <a:rPr lang="en-US" sz="1600" dirty="0" err="1"/>
-              <a:t>memoriesPrompt</a:t>
-            </a:r>
-            <a:r>
-              <a:rPr lang="en-US" sz="1600" dirty="0"/>
-              <a:t>”</a:t>
-            </a:r>
-          </a:p>
-          <a:p>
-            <a:pPr marL="514350" lvl="1" indent="-285750">
+              <a:rPr lang="en-US" sz="2400" dirty="0">
+                <a:cs typeface="Segoe UI" panose="020B0502040204020203" pitchFamily="34" charset="0"/>
+              </a:rPr>
+              <a:t>Apply Breakpoint  in Cosmos DB change feed processor to study the flow.</a:t>
+            </a:r>
+          </a:p>
+          <a:p>
+            <a:pPr marL="742950" lvl="2" indent="-285750">
               <a:buFont typeface="Wingdings" panose="05000000000000000000" pitchFamily="2" charset="2"/>
               <a:buChar char="ü"/>
             </a:pPr>
             <a:r>
-              <a:rPr lang="en-US" sz="1600" dirty="0"/>
-              <a:t>Add the user and system messages to the chat history object with proper role</a:t>
-            </a:r>
-          </a:p>
-          <a:p>
-            <a:pPr marL="514350" lvl="1" indent="-285750">
+              <a:rPr lang="en-US" sz="2400" dirty="0">
+                <a:cs typeface="Segoe UI" panose="020B0502040204020203" pitchFamily="34" charset="0"/>
+              </a:rPr>
+              <a:t>Add  new Products / Customers (use DMT/Portal)</a:t>
+            </a:r>
+          </a:p>
+          <a:p>
+            <a:pPr marL="742950" lvl="2" indent="-285750">
               <a:buFont typeface="Wingdings" panose="05000000000000000000" pitchFamily="2" charset="2"/>
               <a:buChar char="ü"/>
             </a:pPr>
             <a:r>
-              <a:rPr lang="en-US" sz="1600" dirty="0"/>
-              <a:t>Complete the code in </a:t>
-            </a:r>
-            <a:r>
-              <a:rPr lang="en-US" sz="1600" i="1" dirty="0" err="1"/>
-              <a:t>ChatBuilder.cs</a:t>
-            </a:r>
-            <a:r>
-              <a:rPr lang="en-US" sz="1600" dirty="0"/>
-              <a:t> located in </a:t>
-            </a:r>
-            <a:r>
-              <a:rPr lang="en-US" sz="1600" i="1" dirty="0" err="1"/>
-              <a:t>VectorSearchAiAssistant.SemanticKernel</a:t>
-            </a:r>
-            <a:r>
-              <a:rPr lang="en-US" sz="1600" i="1" dirty="0"/>
-              <a:t> </a:t>
-            </a:r>
-            <a:r>
-              <a:rPr lang="en-US" sz="1600" dirty="0"/>
-              <a:t>project</a:t>
-            </a:r>
-          </a:p>
-          <a:p>
-            <a:pPr marL="514350" lvl="1" indent="-285750">
-              <a:buFont typeface="Wingdings" panose="05000000000000000000" pitchFamily="2" charset="2"/>
-              <a:buChar char="ü"/>
-            </a:pPr>
-            <a:endParaRPr lang="en-US" sz="1600" dirty="0"/>
+              <a:rPr lang="en-US" sz="2400" dirty="0">
+                <a:cs typeface="Segoe UI" panose="020B0502040204020203" pitchFamily="34" charset="0"/>
+              </a:rPr>
+              <a:t>Line by line debugging</a:t>
+            </a:r>
           </a:p>
           <a:p>
             <a:pPr marL="514350" indent="-514350">
               <a:buFont typeface="+mj-lt"/>
               <a:buAutoNum type="arabicPeriod"/>
             </a:pPr>
-            <a:r>
-              <a:rPr lang="en-GB" sz="2400" dirty="0"/>
-              <a:t>Receive a prompt from a user, vectorize it and get a completion from the OpenAI service</a:t>
-            </a:r>
-          </a:p>
-          <a:p>
-            <a:pPr marL="742950" lvl="1" indent="-514350">
-              <a:buFont typeface="Wingdings" panose="05000000000000000000" pitchFamily="2" charset="2"/>
-              <a:buChar char="ü"/>
-            </a:pPr>
-            <a:r>
-              <a:rPr lang="en-GB" sz="1600" dirty="0"/>
-              <a:t>Generate the completion to return to the user, and store the prompt and response history in </a:t>
-            </a:r>
-            <a:r>
-              <a:rPr lang="en-GB" sz="1600" dirty="0" err="1"/>
-              <a:t>CosmosDB</a:t>
-            </a:r>
-            <a:endParaRPr lang="en-GB" sz="1600" dirty="0"/>
-          </a:p>
-          <a:p>
-            <a:pPr marL="742950" lvl="1" indent="-514350">
-              <a:buFont typeface="Wingdings" panose="05000000000000000000" pitchFamily="2" charset="2"/>
-              <a:buChar char="ü"/>
-            </a:pPr>
-            <a:r>
-              <a:rPr lang="en-US" sz="1600" dirty="0"/>
-              <a:t>Complete the code in </a:t>
-            </a:r>
-            <a:r>
-              <a:rPr lang="en-US" sz="1600" i="1" dirty="0" err="1"/>
-              <a:t>ChatService.cs</a:t>
-            </a:r>
-            <a:r>
-              <a:rPr lang="en-US" sz="1600" dirty="0"/>
-              <a:t> located in </a:t>
-            </a:r>
-            <a:r>
-              <a:rPr lang="en-US" sz="1600" i="1" dirty="0" err="1"/>
-              <a:t>VectorSearchAiAssistant.Service</a:t>
-            </a:r>
-            <a:r>
-              <a:rPr lang="en-US" sz="1600" i="1" dirty="0"/>
-              <a:t> </a:t>
-            </a:r>
-            <a:r>
-              <a:rPr lang="en-US" sz="1600" dirty="0"/>
-              <a:t>project</a:t>
-            </a:r>
-            <a:endParaRPr lang="en-GB" sz="1600" dirty="0"/>
-          </a:p>
-          <a:p>
-            <a:pPr lvl="1"/>
             <a:endParaRPr lang="en-US" sz="1800" dirty="0"/>
           </a:p>
           <a:p>
-            <a:pPr marL="342900" indent="-342900">
+            <a:pPr marL="457200" indent="-457200">
               <a:buFont typeface="+mj-lt"/>
               <a:buAutoNum type="arabicPeriod"/>
             </a:pPr>
             <a:r>
-              <a:rPr lang="en-US" sz="2600" dirty="0"/>
-              <a:t>Bring it all together!</a:t>
-            </a:r>
-          </a:p>
-          <a:p>
-            <a:pPr marL="571500" lvl="1" indent="-342900">
-              <a:buFont typeface="Wingdings" panose="05000000000000000000" pitchFamily="2" charset="2"/>
-              <a:buChar char="ü"/>
+              <a:rPr lang="en-US" sz="2400" dirty="0"/>
+              <a:t>Experiment with various prompts.</a:t>
+            </a:r>
+          </a:p>
+          <a:p>
+            <a:pPr marL="457200" indent="-457200">
+              <a:buFont typeface="+mj-lt"/>
+              <a:buAutoNum type="arabicPeriod"/>
             </a:pPr>
-            <a:r>
-              <a:rPr lang="en-US" sz="1600" dirty="0"/>
-              <a:t>Complete the code in </a:t>
-            </a:r>
-            <a:r>
-              <a:rPr lang="en-US" sz="1600" dirty="0" err="1"/>
-              <a:t>SemanticKernelRAGService</a:t>
-            </a:r>
-            <a:r>
-              <a:rPr lang="en-US" sz="1600" i="1" dirty="0" err="1"/>
-              <a:t>.cs</a:t>
-            </a:r>
-            <a:r>
-              <a:rPr lang="en-US" sz="1600" dirty="0"/>
-              <a:t> located in </a:t>
-            </a:r>
-            <a:r>
-              <a:rPr lang="en-US" sz="1600" i="1" dirty="0" err="1"/>
-              <a:t>VectorSearchAiAssistant.Service</a:t>
-            </a:r>
-            <a:r>
-              <a:rPr lang="en-US" sz="1600" i="1" dirty="0"/>
-              <a:t> </a:t>
-            </a:r>
-            <a:r>
-              <a:rPr lang="en-US" sz="1600" dirty="0"/>
-              <a:t>project</a:t>
-            </a:r>
-          </a:p>
-          <a:p>
-            <a:pPr marL="571500" lvl="1" indent="-342900">
-              <a:buFont typeface="Wingdings" panose="05000000000000000000" pitchFamily="2" charset="2"/>
-              <a:buChar char="ü"/>
+            <a:endParaRPr lang="en-US" sz="2400" dirty="0"/>
+          </a:p>
+          <a:p>
+            <a:pPr marL="457200" indent="-457200">
+              <a:buFont typeface="+mj-lt"/>
+              <a:buAutoNum type="arabicPeriod"/>
             </a:pPr>
-            <a:endParaRPr lang="en-US" sz="1800" dirty="0"/>
-          </a:p>
-          <a:p>
-            <a:r>
-              <a:rPr lang="en-US" sz="2600" dirty="0"/>
-              <a:t>4. Prompt Engineering</a:t>
-            </a:r>
+            <a:endParaRPr lang="en-US" dirty="0"/>
           </a:p>
           <a:p>
             <a:pPr lvl="1"/>
             <a:r>
-              <a:rPr lang="en-US" sz="1400" dirty="0"/>
+              <a:rPr lang="en-US" dirty="0"/>
               <a:t>Refer - </a:t>
             </a:r>
             <a:r>
-              <a:rPr lang="en-US" sz="1400" dirty="0">
+              <a:rPr lang="en-US" dirty="0">
                 <a:hlinkClick r:id="rId3"/>
               </a:rPr>
-              <a:t>https://github.com/AzureCosmosDB/hackathon-content/blob/main/hackathon-guides/build-modern-ai-apps/challenge-solutions/challenge-03/challenge-03.md</a:t>
-            </a:r>
-            <a:endParaRPr lang="en-US" sz="1400" dirty="0"/>
-          </a:p>
-          <a:p>
-            <a:pPr lvl="1"/>
+              <a:t>https://github.com/AzureCosmosDB/hackathon-content/blob/main/hackathon-guides/build-modern-ai-apps/challenge-solutions/challenge-04/challenge-04.md</a:t>
+            </a:r>
+            <a:endParaRPr lang="en-US" dirty="0"/>
+          </a:p>
+          <a:p>
+            <a:pPr marL="685800" lvl="1" indent="-457200">
+              <a:buFont typeface="Arial" panose="020B0604020202020204" pitchFamily="34" charset="0"/>
+              <a:buChar char="•"/>
+            </a:pPr>
             <a:endParaRPr lang="en-US" dirty="0"/>
           </a:p>
           <a:p>
@@ -17027,6 +17019,128 @@
 </file>
 
 <file path=ppt/slides/slide6.xml><?xml version="1.0" encoding="utf-8"?>
+<p:sld xmlns:a="http://schemas.openxmlformats.org/drawingml/2006/main" xmlns:r="http://schemas.openxmlformats.org/officeDocument/2006/relationships" xmlns:p="http://schemas.openxmlformats.org/presentationml/2006/main">
+  <p:cSld>
+    <p:spTree>
+      <p:nvGrpSpPr>
+        <p:cNvPr id="1" name=""/>
+        <p:cNvGrpSpPr/>
+        <p:nvPr/>
+      </p:nvGrpSpPr>
+      <p:grpSpPr>
+        <a:xfrm>
+          <a:off x="0" y="0"/>
+          <a:ext cx="0" cy="0"/>
+          <a:chOff x="0" y="0"/>
+          <a:chExt cx="0" cy="0"/>
+        </a:xfrm>
+      </p:grpSpPr>
+      <p:sp>
+        <p:nvSpPr>
+          <p:cNvPr id="2" name="Title 1">
+            <a:extLst>
+              <a:ext uri="{FF2B5EF4-FFF2-40B4-BE49-F238E27FC236}">
+                <a16:creationId xmlns:a16="http://schemas.microsoft.com/office/drawing/2014/main" id="{7D8D856E-EA3A-69F8-8314-B6BA9F63A366}"/>
+              </a:ext>
+            </a:extLst>
+          </p:cNvPr>
+          <p:cNvSpPr>
+            <a:spLocks noGrp="1"/>
+          </p:cNvSpPr>
+          <p:nvPr>
+            <p:ph type="title"/>
+          </p:nvPr>
+        </p:nvSpPr>
+        <p:spPr/>
+        <p:txBody>
+          <a:bodyPr/>
+          <a:lstStyle/>
+          <a:p>
+            <a:r>
+              <a:rPr lang="en-US"/>
+              <a:t>Additional References</a:t>
+            </a:r>
+            <a:endParaRPr lang="en-US" dirty="0"/>
+          </a:p>
+        </p:txBody>
+      </p:sp>
+      <p:sp>
+        <p:nvSpPr>
+          <p:cNvPr id="3" name="Text Placeholder 2">
+            <a:extLst>
+              <a:ext uri="{FF2B5EF4-FFF2-40B4-BE49-F238E27FC236}">
+                <a16:creationId xmlns:a16="http://schemas.microsoft.com/office/drawing/2014/main" id="{B6AD5848-BE06-4F51-059F-8680CA5E35E0}"/>
+              </a:ext>
+            </a:extLst>
+          </p:cNvPr>
+          <p:cNvSpPr>
+            <a:spLocks noGrp="1"/>
+          </p:cNvSpPr>
+          <p:nvPr>
+            <p:ph type="body" sz="quarter" idx="10"/>
+          </p:nvPr>
+        </p:nvSpPr>
+        <p:spPr>
+          <a:xfrm>
+            <a:off x="586390" y="1434370"/>
+            <a:ext cx="11018520" cy="2499146"/>
+          </a:xfrm>
+        </p:spPr>
+        <p:txBody>
+          <a:bodyPr/>
+          <a:lstStyle/>
+          <a:p>
+            <a:r>
+              <a:rPr lang="en-US" dirty="0">
+                <a:hlinkClick r:id="rId2"/>
+              </a:rPr>
+              <a:t>LLM AI Embeddings | Microsoft Learn</a:t>
+            </a:r>
+            <a:endParaRPr lang="en-US" dirty="0"/>
+          </a:p>
+          <a:p>
+            <a:endParaRPr lang="en-US" dirty="0"/>
+          </a:p>
+          <a:p>
+            <a:r>
+              <a:rPr lang="en-US" dirty="0">
+                <a:hlinkClick r:id="rId3"/>
+              </a:rPr>
+              <a:t>Vector Database | Microsoft Learn</a:t>
+            </a:r>
+            <a:endParaRPr lang="en-US" dirty="0"/>
+          </a:p>
+          <a:p>
+            <a:endParaRPr lang="en-US" dirty="0"/>
+          </a:p>
+          <a:p>
+            <a:r>
+              <a:rPr lang="en-US" dirty="0">
+                <a:hlinkClick r:id="rId4"/>
+              </a:rPr>
+              <a:t>RAG and generative AI - Azure Cognitive Search | Microsoft Learn</a:t>
+            </a:r>
+            <a:endParaRPr lang="en-US" dirty="0"/>
+          </a:p>
+        </p:txBody>
+      </p:sp>
+    </p:spTree>
+    <p:extLst>
+      <p:ext uri="{BB962C8B-B14F-4D97-AF65-F5344CB8AC3E}">
+        <p14:creationId xmlns:p14="http://schemas.microsoft.com/office/powerpoint/2010/main" val="1720178716"/>
+      </p:ext>
+    </p:extLst>
+  </p:cSld>
+  <p:clrMapOvr>
+    <a:masterClrMapping/>
+  </p:clrMapOvr>
+  <p:transition>
+    <p:fade/>
+  </p:transition>
+</p:sld>
+</file>
+
+<file path=ppt/slides/slide7.xml><?xml version="1.0" encoding="utf-8"?>
 <p:sld xmlns:a="http://schemas.openxmlformats.org/drawingml/2006/main" xmlns:r="http://schemas.openxmlformats.org/officeDocument/2006/relationships" xmlns:p="http://schemas.openxmlformats.org/presentationml/2006/main">
   <p:cSld>
     <p:spTree>
@@ -17960,42 +18074,6 @@
 </file>
 
 <file path=customXml/item1.xml><?xml version="1.0" encoding="utf-8"?>
-<?mso-contentType ?>
-<FormTemplates xmlns="http://schemas.microsoft.com/sharepoint/v3/contenttype/forms">
-  <Display>DocumentLibraryForm</Display>
-  <Edit>DocumentLibraryForm</Edit>
-  <New>DocumentLibraryForm</New>
-</FormTemplates>
-</file>
-
-<file path=customXml/item2.xml><?xml version="1.0" encoding="utf-8"?>
-<p:properties xmlns:p="http://schemas.microsoft.com/office/2006/metadata/properties" xmlns:xsi="http://www.w3.org/2001/XMLSchema-instance" xmlns:pc="http://schemas.microsoft.com/office/infopath/2007/PartnerControls">
-  <documentManagement>
-    <MediaServiceKeyPoints xmlns="675661ce-a921-4ef4-be83-dd19f3c4cc86" xsi:nil="true"/>
-    <MaterialType xmlns="675661ce-a921-4ef4-be83-dd19f3c4cc86">
-      <Value>Presentation Ready Deck</Value>
-    </MaterialType>
-    <Description xmlns="675661ce-a921-4ef4-be83-dd19f3c4cc86" xsi:nil="true"/>
-    <Tag xmlns="675661ce-a921-4ef4-be83-dd19f3c4cc86">
-      <Value>PM</Value>
-      <Value>Lead Coach</Value>
-      <Value>Coach</Value>
-    </Tag>
-    <OHOrder xmlns="675661ce-a921-4ef4-be83-dd19f3c4cc86" xsi:nil="true"/>
-    <Internal_x0020_MSFT xmlns="675661ce-a921-4ef4-be83-dd19f3c4cc86" xsi:nil="true"/>
-    <OrderNo_x002e_ xmlns="675661ce-a921-4ef4-be83-dd19f3c4cc86" xsi:nil="true"/>
-    <Sequence_x0020_of_x0020_Material xmlns="675661ce-a921-4ef4-be83-dd19f3c4cc86">4. Day of Event</Sequence_x0020_of_x0020_Material>
-    <_ip_UnifiedCompliancePolicyUIAction xmlns="http://schemas.microsoft.com/sharepoint/v3" xsi:nil="true"/>
-    <_ip_UnifiedCompliancePolicyProperties xmlns="http://schemas.microsoft.com/sharepoint/v3" xsi:nil="true"/>
-    <lcf76f155ced4ddcb4097134ff3c332f xmlns="675661ce-a921-4ef4-be83-dd19f3c4cc86">
-      <Terms xmlns="http://schemas.microsoft.com/office/infopath/2007/PartnerControls"/>
-    </lcf76f155ced4ddcb4097134ff3c332f>
-    <TaxCatchAll xmlns="230e9df3-be65-4c73-a93b-d1236ebd677e" xsi:nil="true"/>
-  </documentManagement>
-</p:properties>
-</file>
-
-<file path=customXml/item3.xml><?xml version="1.0" encoding="utf-8"?>
 <ct:contentTypeSchema xmlns:ct="http://schemas.microsoft.com/office/2006/metadata/contentType" xmlns:ma="http://schemas.microsoft.com/office/2006/metadata/properties/metaAttributes" ct:_="" ma:_="" ma:contentTypeName="Document" ma:contentTypeID="0x010100262D61D9A00A5041B210DE23A0FE8625" ma:contentTypeVersion="24" ma:contentTypeDescription="Create a new document." ma:contentTypeScope="" ma:versionID="839773bd44a51a311d8e2846b7142e4b">
   <xsd:schema xmlns:xsd="http://www.w3.org/2001/XMLSchema" xmlns:xs="http://www.w3.org/2001/XMLSchema" xmlns:p="http://schemas.microsoft.com/office/2006/metadata/properties" xmlns:ns1="http://schemas.microsoft.com/sharepoint/v3" xmlns:ns2="675661ce-a921-4ef4-be83-dd19f3c4cc86" xmlns:ns3="4343a8c8-d2d9-429e-8dd3-28f02b2ba4f5" xmlns:ns4="230e9df3-be65-4c73-a93b-d1236ebd677e" targetNamespace="http://schemas.microsoft.com/office/2006/metadata/properties" ma:root="true" ma:fieldsID="7f43399919387af8e2a3ad2b19a547db" ns1:_="" ns2:_="" ns3:_="" ns4:_="">
     <xsd:import namespace="http://schemas.microsoft.com/sharepoint/v3"/>
@@ -18335,10 +18413,59 @@
 </ct:contentTypeSchema>
 </file>
 
+<file path=customXml/item2.xml><?xml version="1.0" encoding="utf-8"?>
+<p:properties xmlns:p="http://schemas.microsoft.com/office/2006/metadata/properties" xmlns:xsi="http://www.w3.org/2001/XMLSchema-instance" xmlns:pc="http://schemas.microsoft.com/office/infopath/2007/PartnerControls">
+  <documentManagement>
+    <MediaServiceKeyPoints xmlns="675661ce-a921-4ef4-be83-dd19f3c4cc86" xsi:nil="true"/>
+    <MaterialType xmlns="675661ce-a921-4ef4-be83-dd19f3c4cc86">
+      <Value>Presentation Ready Deck</Value>
+    </MaterialType>
+    <Description xmlns="675661ce-a921-4ef4-be83-dd19f3c4cc86" xsi:nil="true"/>
+    <Tag xmlns="675661ce-a921-4ef4-be83-dd19f3c4cc86">
+      <Value>PM</Value>
+      <Value>Lead Coach</Value>
+      <Value>Coach</Value>
+    </Tag>
+    <OHOrder xmlns="675661ce-a921-4ef4-be83-dd19f3c4cc86" xsi:nil="true"/>
+    <Internal_x0020_MSFT xmlns="675661ce-a921-4ef4-be83-dd19f3c4cc86" xsi:nil="true"/>
+    <OrderNo_x002e_ xmlns="675661ce-a921-4ef4-be83-dd19f3c4cc86" xsi:nil="true"/>
+    <Sequence_x0020_of_x0020_Material xmlns="675661ce-a921-4ef4-be83-dd19f3c4cc86">4. Day of Event</Sequence_x0020_of_x0020_Material>
+    <_ip_UnifiedCompliancePolicyUIAction xmlns="http://schemas.microsoft.com/sharepoint/v3" xsi:nil="true"/>
+    <_ip_UnifiedCompliancePolicyProperties xmlns="http://schemas.microsoft.com/sharepoint/v3" xsi:nil="true"/>
+    <lcf76f155ced4ddcb4097134ff3c332f xmlns="675661ce-a921-4ef4-be83-dd19f3c4cc86">
+      <Terms xmlns="http://schemas.microsoft.com/office/infopath/2007/PartnerControls"/>
+    </lcf76f155ced4ddcb4097134ff3c332f>
+    <TaxCatchAll xmlns="230e9df3-be65-4c73-a93b-d1236ebd677e" xsi:nil="true"/>
+  </documentManagement>
+</p:properties>
+</file>
+
+<file path=customXml/item3.xml><?xml version="1.0" encoding="utf-8"?>
+<?mso-contentType ?>
+<FormTemplates xmlns="http://schemas.microsoft.com/sharepoint/v3/contenttype/forms">
+  <Display>DocumentLibraryForm</Display>
+  <Edit>DocumentLibraryForm</Edit>
+  <New>DocumentLibraryForm</New>
+</FormTemplates>
+</file>
+
 <file path=customXml/itemProps1.xml><?xml version="1.0" encoding="utf-8"?>
-<ds:datastoreItem xmlns:ds="http://schemas.openxmlformats.org/officeDocument/2006/customXml" ds:itemID="{91696345-23F8-4CDB-8A31-BEF0BEB16805}">
+<ds:datastoreItem xmlns:ds="http://schemas.openxmlformats.org/officeDocument/2006/customXml" ds:itemID="{D1157EB0-1AB2-459D-92B4-E00E8DCC06DF}">
   <ds:schemaRefs>
-    <ds:schemaRef ds:uri="http://schemas.microsoft.com/sharepoint/v3/contenttype/forms"/>
+    <ds:schemaRef ds:uri="http://schemas.microsoft.com/office/2006/metadata/contentType"/>
+    <ds:schemaRef ds:uri="http://schemas.microsoft.com/office/2006/metadata/properties/metaAttributes"/>
+    <ds:schemaRef ds:uri="http://www.w3.org/2001/XMLSchema"/>
+    <ds:schemaRef ds:uri="http://schemas.microsoft.com/office/2006/metadata/properties"/>
+    <ds:schemaRef ds:uri="http://schemas.microsoft.com/sharepoint/v3"/>
+    <ds:schemaRef ds:uri="675661ce-a921-4ef4-be83-dd19f3c4cc86"/>
+    <ds:schemaRef ds:uri="4343a8c8-d2d9-429e-8dd3-28f02b2ba4f5"/>
+    <ds:schemaRef ds:uri="230e9df3-be65-4c73-a93b-d1236ebd677e"/>
+    <ds:schemaRef ds:uri="http://schemas.microsoft.com/office/2006/documentManagement/types"/>
+    <ds:schemaRef ds:uri="http://schemas.microsoft.com/office/infopath/2007/PartnerControls"/>
+    <ds:schemaRef ds:uri="http://schemas.openxmlformats.org/package/2006/metadata/core-properties"/>
+    <ds:schemaRef ds:uri="http://purl.org/dc/elements/1.1/"/>
+    <ds:schemaRef ds:uri="http://purl.org/dc/terms/"/>
+    <ds:schemaRef ds:uri="http://schemas.microsoft.com/internal/obd"/>
   </ds:schemaRefs>
 </ds:datastoreItem>
 </file>
@@ -18363,22 +18490,9 @@
 </file>
 
 <file path=customXml/itemProps3.xml><?xml version="1.0" encoding="utf-8"?>
-<ds:datastoreItem xmlns:ds="http://schemas.openxmlformats.org/officeDocument/2006/customXml" ds:itemID="{D1157EB0-1AB2-459D-92B4-E00E8DCC06DF}">
+<ds:datastoreItem xmlns:ds="http://schemas.openxmlformats.org/officeDocument/2006/customXml" ds:itemID="{91696345-23F8-4CDB-8A31-BEF0BEB16805}">
   <ds:schemaRefs>
-    <ds:schemaRef ds:uri="http://schemas.microsoft.com/office/2006/metadata/contentType"/>
-    <ds:schemaRef ds:uri="http://schemas.microsoft.com/office/2006/metadata/properties/metaAttributes"/>
-    <ds:schemaRef ds:uri="http://www.w3.org/2001/XMLSchema"/>
-    <ds:schemaRef ds:uri="http://schemas.microsoft.com/office/2006/metadata/properties"/>
-    <ds:schemaRef ds:uri="http://schemas.microsoft.com/sharepoint/v3"/>
-    <ds:schemaRef ds:uri="675661ce-a921-4ef4-be83-dd19f3c4cc86"/>
-    <ds:schemaRef ds:uri="4343a8c8-d2d9-429e-8dd3-28f02b2ba4f5"/>
-    <ds:schemaRef ds:uri="230e9df3-be65-4c73-a93b-d1236ebd677e"/>
-    <ds:schemaRef ds:uri="http://schemas.microsoft.com/office/2006/documentManagement/types"/>
-    <ds:schemaRef ds:uri="http://schemas.microsoft.com/office/infopath/2007/PartnerControls"/>
-    <ds:schemaRef ds:uri="http://schemas.openxmlformats.org/package/2006/metadata/core-properties"/>
-    <ds:schemaRef ds:uri="http://purl.org/dc/elements/1.1/"/>
-    <ds:schemaRef ds:uri="http://purl.org/dc/terms/"/>
-    <ds:schemaRef ds:uri="http://schemas.microsoft.com/internal/obd"/>
+    <ds:schemaRef ds:uri="http://schemas.microsoft.com/sharepoint/v3/contenttype/forms"/>
   </ds:schemaRefs>
 </ds:datastoreItem>
 </file>
